--- a/nlp/讨论班/UNIFIED lunwen.pptx
+++ b/nlp/讨论班/UNIFIED lunwen.pptx
@@ -215,7 +215,7 @@
           <a:p>
             <a:fld id="{E86D8963-CFCD-4740-AF60-049850373CDF}" type="datetimeFigureOut">
               <a:rPr lang="zh-CN" altLang="en-US" smtClean="0"/>
-              <a:t>2021/6/30</a:t>
+              <a:t>2022/3/3</a:t>
             </a:fld>
             <a:endParaRPr lang="zh-CN" altLang="en-US"/>
           </a:p>
